--- a/Tue-Thr/DS-Day-03 R.pptx
+++ b/Tue-Thr/DS-Day-03 R.pptx
@@ -200,7 +200,7 @@
           <a:p>
             <a:fld id="{22783AA6-C1EF-448D-A48A-EF30DCBEFCCC}" type="datetimeFigureOut">
               <a:rPr lang="en-US" smtClean="0"/>
-              <a:t>9/26/2018</a:t>
+              <a:t>10/2/2018</a:t>
             </a:fld>
             <a:endParaRPr lang="en-US"/>
           </a:p>
@@ -1018,7 +1018,7 @@
           <a:p>
             <a:fld id="{C14F4D0B-68E4-4C14-BD4D-319F9BD213A3}" type="datetimeFigureOut">
               <a:rPr lang="ru-RU" smtClean="0"/>
-              <a:t>26.09.2018</a:t>
+              <a:t>02.10.2018</a:t>
             </a:fld>
             <a:endParaRPr lang="ru-RU"/>
           </a:p>
@@ -1188,7 +1188,7 @@
           <a:p>
             <a:fld id="{C14F4D0B-68E4-4C14-BD4D-319F9BD213A3}" type="datetimeFigureOut">
               <a:rPr lang="ru-RU" smtClean="0"/>
-              <a:t>26.09.2018</a:t>
+              <a:t>02.10.2018</a:t>
             </a:fld>
             <a:endParaRPr lang="ru-RU"/>
           </a:p>
@@ -1368,7 +1368,7 @@
           <a:p>
             <a:fld id="{C14F4D0B-68E4-4C14-BD4D-319F9BD213A3}" type="datetimeFigureOut">
               <a:rPr lang="ru-RU" smtClean="0"/>
-              <a:t>26.09.2018</a:t>
+              <a:t>02.10.2018</a:t>
             </a:fld>
             <a:endParaRPr lang="ru-RU"/>
           </a:p>
@@ -1538,7 +1538,7 @@
           <a:p>
             <a:fld id="{C14F4D0B-68E4-4C14-BD4D-319F9BD213A3}" type="datetimeFigureOut">
               <a:rPr lang="ru-RU" smtClean="0"/>
-              <a:t>26.09.2018</a:t>
+              <a:t>02.10.2018</a:t>
             </a:fld>
             <a:endParaRPr lang="ru-RU"/>
           </a:p>
@@ -1789,7 +1789,7 @@
           <a:p>
             <a:fld id="{C14F4D0B-68E4-4C14-BD4D-319F9BD213A3}" type="datetimeFigureOut">
               <a:rPr lang="ru-RU" smtClean="0"/>
-              <a:t>26.09.2018</a:t>
+              <a:t>02.10.2018</a:t>
             </a:fld>
             <a:endParaRPr lang="ru-RU"/>
           </a:p>
@@ -2021,7 +2021,7 @@
           <a:p>
             <a:fld id="{C14F4D0B-68E4-4C14-BD4D-319F9BD213A3}" type="datetimeFigureOut">
               <a:rPr lang="ru-RU" smtClean="0"/>
-              <a:t>26.09.2018</a:t>
+              <a:t>02.10.2018</a:t>
             </a:fld>
             <a:endParaRPr lang="ru-RU"/>
           </a:p>
@@ -2368,7 +2368,7 @@
           <a:p>
             <a:fld id="{C14F4D0B-68E4-4C14-BD4D-319F9BD213A3}" type="datetimeFigureOut">
               <a:rPr lang="ru-RU" smtClean="0"/>
-              <a:t>26.09.2018</a:t>
+              <a:t>02.10.2018</a:t>
             </a:fld>
             <a:endParaRPr lang="ru-RU"/>
           </a:p>
@@ -2486,7 +2486,7 @@
           <a:p>
             <a:fld id="{C14F4D0B-68E4-4C14-BD4D-319F9BD213A3}" type="datetimeFigureOut">
               <a:rPr lang="ru-RU" smtClean="0"/>
-              <a:t>26.09.2018</a:t>
+              <a:t>02.10.2018</a:t>
             </a:fld>
             <a:endParaRPr lang="ru-RU"/>
           </a:p>
@@ -2604,7 +2604,7 @@
           <a:p>
             <a:fld id="{C14F4D0B-68E4-4C14-BD4D-319F9BD213A3}" type="datetimeFigureOut">
               <a:rPr lang="ru-RU" smtClean="0"/>
-              <a:t>26.09.2018</a:t>
+              <a:t>02.10.2018</a:t>
             </a:fld>
             <a:endParaRPr lang="ru-RU"/>
           </a:p>
@@ -2888,7 +2888,7 @@
           <a:p>
             <a:fld id="{C14F4D0B-68E4-4C14-BD4D-319F9BD213A3}" type="datetimeFigureOut">
               <a:rPr lang="ru-RU" smtClean="0"/>
-              <a:t>26.09.2018</a:t>
+              <a:t>02.10.2018</a:t>
             </a:fld>
             <a:endParaRPr lang="ru-RU"/>
           </a:p>
@@ -3152,7 +3152,7 @@
           <a:p>
             <a:fld id="{C14F4D0B-68E4-4C14-BD4D-319F9BD213A3}" type="datetimeFigureOut">
               <a:rPr lang="ru-RU" smtClean="0"/>
-              <a:t>26.09.2018</a:t>
+              <a:t>02.10.2018</a:t>
             </a:fld>
             <a:endParaRPr lang="ru-RU"/>
           </a:p>
@@ -3366,7 +3366,7 @@
           <a:p>
             <a:fld id="{C14F4D0B-68E4-4C14-BD4D-319F9BD213A3}" type="datetimeFigureOut">
               <a:rPr lang="ru-RU" smtClean="0"/>
-              <a:t>26.09.2018</a:t>
+              <a:t>02.10.2018</a:t>
             </a:fld>
             <a:endParaRPr lang="ru-RU"/>
           </a:p>
@@ -3947,11 +3947,7 @@
             </a:r>
             <a:r>
               <a:rPr lang="en-US" sz="2000" dirty="0" smtClean="0"/>
-              <a:t>(c</a:t>
-            </a:r>
-            <a:r>
-              <a:rPr lang="en-US" sz="2000" dirty="0" smtClean="0"/>
-              <a:t>(“</a:t>
+              <a:t>(c(“</a:t>
             </a:r>
             <a:r>
               <a:rPr lang="en-US" sz="2000" dirty="0" err="1" smtClean="0"/>
@@ -5042,17 +5038,7 @@
                 <a:latin typeface="Arial" pitchFamily="34" charset="0"/>
                 <a:cs typeface="Arial" pitchFamily="34" charset="0"/>
               </a:rPr>
-              <a:t>Задание </a:t>
-            </a:r>
-            <a:r>
-              <a:rPr lang="ru-RU" sz="3600" b="1" dirty="0" smtClean="0">
-                <a:solidFill>
-                  <a:srgbClr val="0064B5"/>
-                </a:solidFill>
-                <a:latin typeface="Arial" pitchFamily="34" charset="0"/>
-                <a:cs typeface="Arial" pitchFamily="34" charset="0"/>
-              </a:rPr>
-              <a:t>1</a:t>
+              <a:t>Задание 1</a:t>
             </a:r>
             <a:endParaRPr lang="ru-RU" sz="3600" b="1" dirty="0">
               <a:solidFill>
@@ -5205,7 +5191,15 @@
             </a:pPr>
             <a:r>
               <a:rPr lang="ru-RU" dirty="0"/>
-              <a:t>С каким населением чаще всего встречаются страны в мире? В Европе? </a:t>
+              <a:t>С каким </a:t>
+            </a:r>
+            <a:r>
+              <a:rPr lang="ru-RU" baseline="-25000" dirty="0"/>
+              <a:t>населением</a:t>
+            </a:r>
+            <a:r>
+              <a:rPr lang="ru-RU" dirty="0"/>
+              <a:t> чаще всего встречаются страны в мире? В Европе? </a:t>
             </a:r>
           </a:p>
           <a:p>
@@ -5674,17 +5668,7 @@
                 <a:latin typeface="Arial" pitchFamily="34" charset="0"/>
                 <a:cs typeface="Arial" pitchFamily="34" charset="0"/>
               </a:rPr>
-              <a:t>Задание </a:t>
-            </a:r>
-            <a:r>
-              <a:rPr lang="ru-RU" sz="3600" b="1" dirty="0" smtClean="0">
-                <a:solidFill>
-                  <a:srgbClr val="0064B5"/>
-                </a:solidFill>
-                <a:latin typeface="Arial" pitchFamily="34" charset="0"/>
-                <a:cs typeface="Arial" pitchFamily="34" charset="0"/>
-              </a:rPr>
-              <a:t>2</a:t>
+              <a:t>Задание 2</a:t>
             </a:r>
             <a:endParaRPr lang="ru-RU" sz="3600" b="1" dirty="0">
               <a:solidFill>
